--- a/Visualization of biological data.pptx
+++ b/Visualization of biological data.pptx
@@ -1355,651 +1355,6 @@
       <dsp:cNvGrpSpPr/>
     </dsp:nvGrpSpPr>
     <dsp:grpSpPr/>
-    <dsp:sp modelId="{F4E94A32-CB14-42F2-AF88-B9F2A33F3F0A}">
-      <dsp:nvSpPr>
-        <dsp:cNvPr id="0" name=""/>
-        <dsp:cNvSpPr/>
-      </dsp:nvSpPr>
-      <dsp:spPr>
-        <a:xfrm>
-          <a:off x="1373520" y="1096511"/>
-          <a:ext cx="3289535" cy="3289535"/>
-        </a:xfrm>
-        <a:prstGeom prst="ellipse">
-          <a:avLst/>
-        </a:prstGeom>
-        <a:solidFill>
-          <a:schemeClr val="accent1">
-            <a:shade val="90000"/>
-            <a:hueOff val="350915"/>
-            <a:satOff val="-3215"/>
-            <a:lumOff val="27754"/>
-            <a:alphaOff val="-50000"/>
-          </a:schemeClr>
-        </a:solidFill>
-        <a:ln w="12700" cap="flat" cmpd="sng" algn="ctr">
-          <a:solidFill>
-            <a:schemeClr val="lt1">
-              <a:hueOff val="0"/>
-              <a:satOff val="0"/>
-              <a:lumOff val="0"/>
-              <a:alphaOff val="0"/>
-            </a:schemeClr>
-          </a:solidFill>
-          <a:prstDash val="solid"/>
-          <a:miter lim="800000"/>
-        </a:ln>
-        <a:effectLst/>
-      </dsp:spPr>
-      <dsp:style>
-        <a:lnRef idx="2">
-          <a:scrgbClr r="0" g="0" b="0"/>
-        </a:lnRef>
-        <a:fillRef idx="1">
-          <a:scrgbClr r="0" g="0" b="0"/>
-        </a:fillRef>
-        <a:effectRef idx="0">
-          <a:scrgbClr r="0" g="0" b="0"/>
-        </a:effectRef>
-        <a:fontRef idx="minor">
-          <a:schemeClr val="lt1"/>
-        </a:fontRef>
-      </dsp:style>
-    </dsp:sp>
-    <dsp:sp modelId="{8923DF88-BDFF-4048-89F2-8786C7216360}">
-      <dsp:nvSpPr>
-        <dsp:cNvPr id="0" name=""/>
-        <dsp:cNvSpPr/>
-      </dsp:nvSpPr>
-      <dsp:spPr>
-        <a:xfrm>
-          <a:off x="2031427" y="1754418"/>
-          <a:ext cx="1973721" cy="1973721"/>
-        </a:xfrm>
-        <a:prstGeom prst="ellipse">
-          <a:avLst/>
-        </a:prstGeom>
-        <a:solidFill>
-          <a:schemeClr val="accent1">
-            <a:shade val="90000"/>
-            <a:hueOff val="175458"/>
-            <a:satOff val="-1607"/>
-            <a:lumOff val="13877"/>
-            <a:alphaOff val="-25000"/>
-          </a:schemeClr>
-        </a:solidFill>
-        <a:ln w="12700" cap="flat" cmpd="sng" algn="ctr">
-          <a:solidFill>
-            <a:schemeClr val="lt1">
-              <a:hueOff val="0"/>
-              <a:satOff val="0"/>
-              <a:lumOff val="0"/>
-              <a:alphaOff val="0"/>
-            </a:schemeClr>
-          </a:solidFill>
-          <a:prstDash val="solid"/>
-          <a:miter lim="800000"/>
-        </a:ln>
-        <a:effectLst/>
-      </dsp:spPr>
-      <dsp:style>
-        <a:lnRef idx="2">
-          <a:scrgbClr r="0" g="0" b="0"/>
-        </a:lnRef>
-        <a:fillRef idx="1">
-          <a:scrgbClr r="0" g="0" b="0"/>
-        </a:fillRef>
-        <a:effectRef idx="0">
-          <a:scrgbClr r="0" g="0" b="0"/>
-        </a:effectRef>
-        <a:fontRef idx="minor">
-          <a:schemeClr val="lt1"/>
-        </a:fontRef>
-      </dsp:style>
-    </dsp:sp>
-    <dsp:sp modelId="{EB06206B-7168-49B2-9831-F80120B150E3}">
-      <dsp:nvSpPr>
-        <dsp:cNvPr id="0" name=""/>
-        <dsp:cNvSpPr/>
-      </dsp:nvSpPr>
-      <dsp:spPr>
-        <a:xfrm>
-          <a:off x="2689334" y="2412325"/>
-          <a:ext cx="657907" cy="657907"/>
-        </a:xfrm>
-        <a:prstGeom prst="ellipse">
-          <a:avLst/>
-        </a:prstGeom>
-        <a:solidFill>
-          <a:schemeClr val="accent1">
-            <a:shade val="90000"/>
-            <a:hueOff val="0"/>
-            <a:satOff val="0"/>
-            <a:lumOff val="0"/>
-            <a:alphaOff val="0"/>
-          </a:schemeClr>
-        </a:solidFill>
-        <a:ln w="12700" cap="flat" cmpd="sng" algn="ctr">
-          <a:solidFill>
-            <a:schemeClr val="lt1">
-              <a:hueOff val="0"/>
-              <a:satOff val="0"/>
-              <a:lumOff val="0"/>
-              <a:alphaOff val="0"/>
-            </a:schemeClr>
-          </a:solidFill>
-          <a:prstDash val="solid"/>
-          <a:miter lim="800000"/>
-        </a:ln>
-        <a:effectLst/>
-      </dsp:spPr>
-      <dsp:style>
-        <a:lnRef idx="2">
-          <a:scrgbClr r="0" g="0" b="0"/>
-        </a:lnRef>
-        <a:fillRef idx="1">
-          <a:scrgbClr r="0" g="0" b="0"/>
-        </a:fillRef>
-        <a:effectRef idx="0">
-          <a:scrgbClr r="0" g="0" b="0"/>
-        </a:effectRef>
-        <a:fontRef idx="minor">
-          <a:schemeClr val="lt1"/>
-        </a:fontRef>
-      </dsp:style>
-    </dsp:sp>
-    <dsp:sp modelId="{F65739BD-0977-4E29-B2EA-9D59A4DDBAA3}">
-      <dsp:nvSpPr>
-        <dsp:cNvPr id="0" name=""/>
-        <dsp:cNvSpPr/>
-      </dsp:nvSpPr>
-      <dsp:spPr>
-        <a:xfrm>
-          <a:off x="5211311" y="0"/>
-          <a:ext cx="1644767" cy="959447"/>
-        </a:xfrm>
-        <a:prstGeom prst="rect">
-          <a:avLst/>
-        </a:prstGeom>
-        <a:noFill/>
-        <a:ln>
-          <a:noFill/>
-        </a:ln>
-        <a:effectLst/>
-      </dsp:spPr>
-      <dsp:style>
-        <a:lnRef idx="0">
-          <a:scrgbClr r="0" g="0" b="0"/>
-        </a:lnRef>
-        <a:fillRef idx="0">
-          <a:scrgbClr r="0" g="0" b="0"/>
-        </a:fillRef>
-        <a:effectRef idx="0">
-          <a:scrgbClr r="0" g="0" b="0"/>
-        </a:effectRef>
-        <a:fontRef idx="minor"/>
-      </dsp:style>
-      <dsp:txBody>
-        <a:bodyPr spcFirstLastPara="0" vert="horz" wrap="square" lIns="99568" tIns="17780" rIns="17780" bIns="17780" numCol="1" spcCol="1270" anchor="ctr" anchorCtr="0">
-          <a:noAutofit/>
-        </a:bodyPr>
-        <a:lstStyle/>
-        <a:p>
-          <a:pPr lvl="0" algn="l" defTabSz="622300">
-            <a:lnSpc>
-              <a:spcPct val="90000"/>
-            </a:lnSpc>
-            <a:spcBef>
-              <a:spcPct val="0"/>
-            </a:spcBef>
-            <a:spcAft>
-              <a:spcPct val="35000"/>
-            </a:spcAft>
-          </a:pPr>
-          <a:r>
-            <a:rPr lang="en-US" sz="1400" kern="1200" dirty="0" smtClean="0">
-              <a:solidFill>
-                <a:srgbClr val="FFC000"/>
-              </a:solidFill>
-            </a:rPr>
-            <a:t>Unit</a:t>
-          </a:r>
-          <a:r>
-            <a:rPr lang="en-US" sz="1400" kern="1200" dirty="0" smtClean="0"/>
-            <a:t> Testing (do the parts perform correctly alone?)</a:t>
-          </a:r>
-          <a:endParaRPr lang="en-US" sz="1400" kern="1200" dirty="0"/>
-        </a:p>
-      </dsp:txBody>
-      <dsp:txXfrm>
-        <a:off x="5211311" y="0"/>
-        <a:ext cx="1644767" cy="959447"/>
-      </dsp:txXfrm>
-    </dsp:sp>
-    <dsp:sp modelId="{C94D660F-2FB2-4625-94C5-40C4C200FB6E}">
-      <dsp:nvSpPr>
-        <dsp:cNvPr id="0" name=""/>
-        <dsp:cNvSpPr/>
-      </dsp:nvSpPr>
-      <dsp:spPr>
-        <a:xfrm>
-          <a:off x="4800119" y="479723"/>
-          <a:ext cx="411191" cy="0"/>
-        </a:xfrm>
-        <a:prstGeom prst="line">
-          <a:avLst/>
-        </a:prstGeom>
-        <a:solidFill>
-          <a:schemeClr val="accent1">
-            <a:hueOff val="0"/>
-            <a:satOff val="0"/>
-            <a:lumOff val="0"/>
-            <a:alphaOff val="0"/>
-          </a:schemeClr>
-        </a:solidFill>
-        <a:ln w="12700" cap="flat" cmpd="sng" algn="ctr">
-          <a:solidFill>
-            <a:schemeClr val="accent1">
-              <a:hueOff val="0"/>
-              <a:satOff val="0"/>
-              <a:lumOff val="0"/>
-              <a:alphaOff val="0"/>
-            </a:schemeClr>
-          </a:solidFill>
-          <a:prstDash val="solid"/>
-          <a:miter lim="800000"/>
-        </a:ln>
-        <a:effectLst/>
-      </dsp:spPr>
-      <dsp:style>
-        <a:lnRef idx="2">
-          <a:scrgbClr r="0" g="0" b="0"/>
-        </a:lnRef>
-        <a:fillRef idx="1">
-          <a:scrgbClr r="0" g="0" b="0"/>
-        </a:fillRef>
-        <a:effectRef idx="0">
-          <a:scrgbClr r="0" g="0" b="0"/>
-        </a:effectRef>
-        <a:fontRef idx="minor"/>
-      </dsp:style>
-    </dsp:sp>
-    <dsp:sp modelId="{C30C7F9C-5632-471D-BFD3-FD719804FFD7}">
-      <dsp:nvSpPr>
-        <dsp:cNvPr id="0" name=""/>
-        <dsp:cNvSpPr/>
-      </dsp:nvSpPr>
-      <dsp:spPr>
-        <a:xfrm rot="5400000">
-          <a:off x="2777878" y="720682"/>
-          <a:ext cx="2261007" cy="1780186"/>
-        </a:xfrm>
-        <a:prstGeom prst="line">
-          <a:avLst/>
-        </a:prstGeom>
-        <a:solidFill>
-          <a:schemeClr val="accent1">
-            <a:hueOff val="0"/>
-            <a:satOff val="0"/>
-            <a:lumOff val="0"/>
-            <a:alphaOff val="0"/>
-          </a:schemeClr>
-        </a:solidFill>
-        <a:ln w="12700" cap="flat" cmpd="sng" algn="ctr">
-          <a:solidFill>
-            <a:schemeClr val="accent1">
-              <a:hueOff val="0"/>
-              <a:satOff val="0"/>
-              <a:lumOff val="0"/>
-              <a:alphaOff val="0"/>
-            </a:schemeClr>
-          </a:solidFill>
-          <a:prstDash val="solid"/>
-          <a:miter lim="800000"/>
-        </a:ln>
-        <a:effectLst/>
-      </dsp:spPr>
-      <dsp:style>
-        <a:lnRef idx="2">
-          <a:scrgbClr r="0" g="0" b="0"/>
-        </a:lnRef>
-        <a:fillRef idx="1">
-          <a:scrgbClr r="0" g="0" b="0"/>
-        </a:fillRef>
-        <a:effectRef idx="0">
-          <a:scrgbClr r="0" g="0" b="0"/>
-        </a:effectRef>
-        <a:fontRef idx="minor"/>
-      </dsp:style>
-    </dsp:sp>
-    <dsp:sp modelId="{2C164E66-5C05-4942-B43F-746CBFD51309}">
-      <dsp:nvSpPr>
-        <dsp:cNvPr id="0" name=""/>
-        <dsp:cNvSpPr/>
-      </dsp:nvSpPr>
-      <dsp:spPr>
-        <a:xfrm>
-          <a:off x="5211311" y="959447"/>
-          <a:ext cx="1644767" cy="959447"/>
-        </a:xfrm>
-        <a:prstGeom prst="rect">
-          <a:avLst/>
-        </a:prstGeom>
-        <a:noFill/>
-        <a:ln>
-          <a:noFill/>
-        </a:ln>
-        <a:effectLst/>
-      </dsp:spPr>
-      <dsp:style>
-        <a:lnRef idx="0">
-          <a:scrgbClr r="0" g="0" b="0"/>
-        </a:lnRef>
-        <a:fillRef idx="0">
-          <a:scrgbClr r="0" g="0" b="0"/>
-        </a:fillRef>
-        <a:effectRef idx="0">
-          <a:scrgbClr r="0" g="0" b="0"/>
-        </a:effectRef>
-        <a:fontRef idx="minor"/>
-      </dsp:style>
-      <dsp:txBody>
-        <a:bodyPr spcFirstLastPara="0" vert="horz" wrap="square" lIns="99568" tIns="17780" rIns="17780" bIns="17780" numCol="1" spcCol="1270" anchor="ctr" anchorCtr="0">
-          <a:noAutofit/>
-        </a:bodyPr>
-        <a:lstStyle/>
-        <a:p>
-          <a:pPr lvl="0" algn="l" defTabSz="622300">
-            <a:lnSpc>
-              <a:spcPct val="90000"/>
-            </a:lnSpc>
-            <a:spcBef>
-              <a:spcPct val="0"/>
-            </a:spcBef>
-            <a:spcAft>
-              <a:spcPct val="35000"/>
-            </a:spcAft>
-          </a:pPr>
-          <a:r>
-            <a:rPr lang="en-US" sz="1400" kern="1200" dirty="0" smtClean="0">
-              <a:solidFill>
-                <a:srgbClr val="FFC000"/>
-              </a:solidFill>
-            </a:rPr>
-            <a:t>Integration</a:t>
-          </a:r>
-          <a:r>
-            <a:rPr lang="en-US" sz="1400" kern="1200" dirty="0" smtClean="0"/>
-            <a:t> Testing (do the parts perform correctly together?)</a:t>
-          </a:r>
-          <a:endParaRPr lang="en-US" sz="1400" kern="1200" dirty="0"/>
-        </a:p>
-      </dsp:txBody>
-      <dsp:txXfrm>
-        <a:off x="5211311" y="959447"/>
-        <a:ext cx="1644767" cy="959447"/>
-      </dsp:txXfrm>
-    </dsp:sp>
-    <dsp:sp modelId="{A8BF8F36-9A37-4B4B-ADFE-0CA541C6A175}">
-      <dsp:nvSpPr>
-        <dsp:cNvPr id="0" name=""/>
-        <dsp:cNvSpPr/>
-      </dsp:nvSpPr>
-      <dsp:spPr>
-        <a:xfrm>
-          <a:off x="4800119" y="1439171"/>
-          <a:ext cx="411191" cy="0"/>
-        </a:xfrm>
-        <a:prstGeom prst="line">
-          <a:avLst/>
-        </a:prstGeom>
-        <a:solidFill>
-          <a:schemeClr val="accent1">
-            <a:hueOff val="0"/>
-            <a:satOff val="0"/>
-            <a:lumOff val="0"/>
-            <a:alphaOff val="0"/>
-          </a:schemeClr>
-        </a:solidFill>
-        <a:ln w="12700" cap="flat" cmpd="sng" algn="ctr">
-          <a:solidFill>
-            <a:schemeClr val="accent1">
-              <a:hueOff val="0"/>
-              <a:satOff val="0"/>
-              <a:lumOff val="0"/>
-              <a:alphaOff val="0"/>
-            </a:schemeClr>
-          </a:solidFill>
-          <a:prstDash val="solid"/>
-          <a:miter lim="800000"/>
-        </a:ln>
-        <a:effectLst/>
-      </dsp:spPr>
-      <dsp:style>
-        <a:lnRef idx="2">
-          <a:scrgbClr r="0" g="0" b="0"/>
-        </a:lnRef>
-        <a:fillRef idx="1">
-          <a:scrgbClr r="0" g="0" b="0"/>
-        </a:fillRef>
-        <a:effectRef idx="0">
-          <a:scrgbClr r="0" g="0" b="0"/>
-        </a:effectRef>
-        <a:fontRef idx="minor"/>
-      </dsp:style>
-    </dsp:sp>
-    <dsp:sp modelId="{61A58FA1-76F6-42D5-9FC7-21136DD82163}">
-      <dsp:nvSpPr>
-        <dsp:cNvPr id="0" name=""/>
-        <dsp:cNvSpPr/>
-      </dsp:nvSpPr>
-      <dsp:spPr>
-        <a:xfrm rot="5400000">
-          <a:off x="3263194" y="1665162"/>
-          <a:ext cx="1761875" cy="1308686"/>
-        </a:xfrm>
-        <a:prstGeom prst="line">
-          <a:avLst/>
-        </a:prstGeom>
-        <a:solidFill>
-          <a:schemeClr val="accent1">
-            <a:hueOff val="0"/>
-            <a:satOff val="0"/>
-            <a:lumOff val="0"/>
-            <a:alphaOff val="0"/>
-          </a:schemeClr>
-        </a:solidFill>
-        <a:ln w="12700" cap="flat" cmpd="sng" algn="ctr">
-          <a:solidFill>
-            <a:schemeClr val="accent1">
-              <a:hueOff val="0"/>
-              <a:satOff val="0"/>
-              <a:lumOff val="0"/>
-              <a:alphaOff val="0"/>
-            </a:schemeClr>
-          </a:solidFill>
-          <a:prstDash val="solid"/>
-          <a:miter lim="800000"/>
-        </a:ln>
-        <a:effectLst/>
-      </dsp:spPr>
-      <dsp:style>
-        <a:lnRef idx="2">
-          <a:scrgbClr r="0" g="0" b="0"/>
-        </a:lnRef>
-        <a:fillRef idx="1">
-          <a:scrgbClr r="0" g="0" b="0"/>
-        </a:fillRef>
-        <a:effectRef idx="0">
-          <a:scrgbClr r="0" g="0" b="0"/>
-        </a:effectRef>
-        <a:fontRef idx="minor"/>
-      </dsp:style>
-    </dsp:sp>
-    <dsp:sp modelId="{F430CF9B-F468-4498-9A6C-CFA75EEE7455}">
-      <dsp:nvSpPr>
-        <dsp:cNvPr id="0" name=""/>
-        <dsp:cNvSpPr/>
-      </dsp:nvSpPr>
-      <dsp:spPr>
-        <a:xfrm>
-          <a:off x="5211311" y="1918895"/>
-          <a:ext cx="1644767" cy="959447"/>
-        </a:xfrm>
-        <a:prstGeom prst="rect">
-          <a:avLst/>
-        </a:prstGeom>
-        <a:noFill/>
-        <a:ln>
-          <a:noFill/>
-        </a:ln>
-        <a:effectLst/>
-      </dsp:spPr>
-      <dsp:style>
-        <a:lnRef idx="0">
-          <a:scrgbClr r="0" g="0" b="0"/>
-        </a:lnRef>
-        <a:fillRef idx="0">
-          <a:scrgbClr r="0" g="0" b="0"/>
-        </a:fillRef>
-        <a:effectRef idx="0">
-          <a:scrgbClr r="0" g="0" b="0"/>
-        </a:effectRef>
-        <a:fontRef idx="minor"/>
-      </dsp:style>
-      <dsp:txBody>
-        <a:bodyPr spcFirstLastPara="0" vert="horz" wrap="square" lIns="99568" tIns="17780" rIns="17780" bIns="17780" numCol="1" spcCol="1270" anchor="ctr" anchorCtr="0">
-          <a:noAutofit/>
-        </a:bodyPr>
-        <a:lstStyle/>
-        <a:p>
-          <a:pPr lvl="0" algn="l" defTabSz="622300">
-            <a:lnSpc>
-              <a:spcPct val="90000"/>
-            </a:lnSpc>
-            <a:spcBef>
-              <a:spcPct val="0"/>
-            </a:spcBef>
-            <a:spcAft>
-              <a:spcPct val="35000"/>
-            </a:spcAft>
-          </a:pPr>
-          <a:r>
-            <a:rPr lang="en-US" sz="1400" kern="1200" dirty="0" smtClean="0">
-              <a:solidFill>
-                <a:srgbClr val="FFC000"/>
-              </a:solidFill>
-            </a:rPr>
-            <a:t>User Acceptance </a:t>
-          </a:r>
-          <a:r>
-            <a:rPr lang="en-US" sz="1400" kern="1200" dirty="0" smtClean="0"/>
-            <a:t>Testing (does the system meet the end user’s expectations?)</a:t>
-          </a:r>
-          <a:endParaRPr lang="en-US" sz="1400" kern="1200" dirty="0"/>
-        </a:p>
-      </dsp:txBody>
-      <dsp:txXfrm>
-        <a:off x="5211311" y="1918895"/>
-        <a:ext cx="1644767" cy="959447"/>
-      </dsp:txXfrm>
-    </dsp:sp>
-    <dsp:sp modelId="{9CA4718E-D899-467B-9F0F-4D37E0284797}">
-      <dsp:nvSpPr>
-        <dsp:cNvPr id="0" name=""/>
-        <dsp:cNvSpPr/>
-      </dsp:nvSpPr>
-      <dsp:spPr>
-        <a:xfrm>
-          <a:off x="4800119" y="2398619"/>
-          <a:ext cx="411191" cy="0"/>
-        </a:xfrm>
-        <a:prstGeom prst="line">
-          <a:avLst/>
-        </a:prstGeom>
-        <a:solidFill>
-          <a:schemeClr val="accent1">
-            <a:hueOff val="0"/>
-            <a:satOff val="0"/>
-            <a:lumOff val="0"/>
-            <a:alphaOff val="0"/>
-          </a:schemeClr>
-        </a:solidFill>
-        <a:ln w="12700" cap="flat" cmpd="sng" algn="ctr">
-          <a:solidFill>
-            <a:schemeClr val="accent1">
-              <a:hueOff val="0"/>
-              <a:satOff val="0"/>
-              <a:lumOff val="0"/>
-              <a:alphaOff val="0"/>
-            </a:schemeClr>
-          </a:solidFill>
-          <a:prstDash val="solid"/>
-          <a:miter lim="800000"/>
-        </a:ln>
-        <a:effectLst/>
-      </dsp:spPr>
-      <dsp:style>
-        <a:lnRef idx="2">
-          <a:scrgbClr r="0" g="0" b="0"/>
-        </a:lnRef>
-        <a:fillRef idx="1">
-          <a:scrgbClr r="0" g="0" b="0"/>
-        </a:fillRef>
-        <a:effectRef idx="0">
-          <a:scrgbClr r="0" g="0" b="0"/>
-        </a:effectRef>
-        <a:fontRef idx="minor"/>
-      </dsp:style>
-    </dsp:sp>
-    <dsp:sp modelId="{6191999B-DE46-4A4B-959C-A2DA9F606191}">
-      <dsp:nvSpPr>
-        <dsp:cNvPr id="0" name=""/>
-        <dsp:cNvSpPr/>
-      </dsp:nvSpPr>
-      <dsp:spPr>
-        <a:xfrm rot="5400000">
-          <a:off x="3749113" y="2608875"/>
-          <a:ext cx="1258795" cy="837186"/>
-        </a:xfrm>
-        <a:prstGeom prst="line">
-          <a:avLst/>
-        </a:prstGeom>
-        <a:solidFill>
-          <a:schemeClr val="accent1">
-            <a:hueOff val="0"/>
-            <a:satOff val="0"/>
-            <a:lumOff val="0"/>
-            <a:alphaOff val="0"/>
-          </a:schemeClr>
-        </a:solidFill>
-        <a:ln w="12700" cap="flat" cmpd="sng" algn="ctr">
-          <a:solidFill>
-            <a:schemeClr val="accent1">
-              <a:hueOff val="0"/>
-              <a:satOff val="0"/>
-              <a:lumOff val="0"/>
-              <a:alphaOff val="0"/>
-            </a:schemeClr>
-          </a:solidFill>
-          <a:prstDash val="solid"/>
-          <a:miter lim="800000"/>
-        </a:ln>
-        <a:effectLst/>
-      </dsp:spPr>
-      <dsp:style>
-        <a:lnRef idx="2">
-          <a:scrgbClr r="0" g="0" b="0"/>
-        </a:lnRef>
-        <a:fillRef idx="1">
-          <a:scrgbClr r="0" g="0" b="0"/>
-        </a:fillRef>
-        <a:effectRef idx="0">
-          <a:scrgbClr r="0" g="0" b="0"/>
-        </a:effectRef>
-        <a:fontRef idx="minor"/>
-      </dsp:style>
-    </dsp:sp>
   </dsp:spTree>
 </dsp:drawing>
 </file>
@@ -7659,7 +7014,11 @@
           <a:p>
             <a:r>
               <a:rPr lang="en-US" b="1" dirty="0"/>
-              <a:t>Visualization of biological data</a:t>
+              <a:t>Visualization of biological </a:t>
+            </a:r>
+            <a:r>
+              <a:rPr lang="en-US" b="1" dirty="0" smtClean="0"/>
+              <a:t>data</a:t>
             </a:r>
             <a:endParaRPr lang="en-US" dirty="0"/>
           </a:p>
@@ -7677,7 +7036,9 @@
         </p:nvSpPr>
         <p:spPr/>
         <p:txBody>
-          <a:bodyPr/>
+          <a:bodyPr>
+            <a:normAutofit lnSpcReduction="10000"/>
+          </a:bodyPr>
           <a:lstStyle/>
           <a:p>
             <a:r>
@@ -7693,7 +7054,44 @@
           <a:p>
             <a:r>
               <a:rPr lang="en-US" dirty="0" smtClean="0"/>
-              <a:t>(piotr.gawron@uni.lu)</a:t>
+              <a:t>(</a:t>
+            </a:r>
+            <a:r>
+              <a:rPr lang="en-US" dirty="0" smtClean="0">
+                <a:hlinkClick r:id="rId2"/>
+              </a:rPr>
+              <a:t>piotr.gawron@uni.lu</a:t>
+            </a:r>
+            <a:r>
+              <a:rPr lang="en-US" dirty="0" smtClean="0"/>
+              <a:t>)</a:t>
+            </a:r>
+          </a:p>
+          <a:p>
+            <a:endParaRPr lang="en-US" dirty="0"/>
+          </a:p>
+          <a:p>
+            <a:r>
+              <a:rPr lang="en-US">
+                <a:hlinkClick r:id="rId3"/>
+              </a:rPr>
+              <a:t>https</a:t>
+            </a:r>
+            <a:r>
+              <a:rPr lang="en-US">
+                <a:hlinkClick r:id="rId3"/>
+              </a:rPr>
+              <a:t>://</a:t>
+            </a:r>
+            <a:r>
+              <a:rPr lang="en-US" smtClean="0">
+                <a:hlinkClick r:id="rId3"/>
+              </a:rPr>
+              <a:t>github.com/piotr-gawron/recife-course</a:t>
+            </a:r>
+            <a:r>
+              <a:rPr lang="en-US" smtClean="0"/>
+              <a:t> </a:t>
             </a:r>
             <a:endParaRPr lang="en-US" dirty="0"/>
           </a:p>
@@ -11651,21 +11049,7 @@
                 <a:latin typeface="+mj-lt"/>
                 <a:cs typeface="Courier New" panose="02070309020205020404" pitchFamily="49" charset="0"/>
               </a:rPr>
-              <a:t>Try to </a:t>
-            </a:r>
-            <a:r>
-              <a:rPr lang="en-US" sz="2000" dirty="0" smtClean="0">
-                <a:latin typeface="+mj-lt"/>
-                <a:cs typeface="Courier New" panose="02070309020205020404" pitchFamily="49" charset="0"/>
-              </a:rPr>
-              <a:t>create html </a:t>
-            </a:r>
-            <a:r>
-              <a:rPr lang="en-US" sz="2000" dirty="0" smtClean="0">
-                <a:latin typeface="+mj-lt"/>
-                <a:cs typeface="Courier New" panose="02070309020205020404" pitchFamily="49" charset="0"/>
-              </a:rPr>
-              <a:t>and </a:t>
+              <a:t>Try to create html and </a:t>
             </a:r>
             <a:r>
               <a:rPr lang="en-US" sz="2000" dirty="0" err="1" smtClean="0">
@@ -19141,10 +18525,6 @@
               </a:rPr>
               <a:t>assert;</a:t>
             </a:r>
-            <a:endParaRPr lang="en-US" sz="800" dirty="0" smtClean="0">
-              <a:latin typeface="Courier New" panose="02070309020205020404" pitchFamily="49" charset="0"/>
-              <a:cs typeface="Courier New" panose="02070309020205020404" pitchFamily="49" charset="0"/>
-            </a:endParaRPr>
           </a:p>
           <a:p>
             <a:pPr marL="914400" lvl="2" indent="0">
